--- a/Lab5/Lab 5.pptx
+++ b/Lab5/Lab 5.pptx
@@ -8,14 +8,13 @@
     <p:sldId id="256" r:id="rId2"/>
     <p:sldId id="269" r:id="rId3"/>
     <p:sldId id="258" r:id="rId4"/>
-    <p:sldId id="259" r:id="rId5"/>
-    <p:sldId id="260" r:id="rId6"/>
-    <p:sldId id="266" r:id="rId7"/>
-    <p:sldId id="262" r:id="rId8"/>
-    <p:sldId id="263" r:id="rId9"/>
-    <p:sldId id="261" r:id="rId10"/>
-    <p:sldId id="264" r:id="rId11"/>
-    <p:sldId id="265" r:id="rId12"/>
+    <p:sldId id="260" r:id="rId5"/>
+    <p:sldId id="266" r:id="rId6"/>
+    <p:sldId id="262" r:id="rId7"/>
+    <p:sldId id="263" r:id="rId8"/>
+    <p:sldId id="261" r:id="rId9"/>
+    <p:sldId id="264" r:id="rId10"/>
+    <p:sldId id="265" r:id="rId11"/>
   </p:sldIdLst>
   <p:sldSz cx="12192000" cy="6858000"/>
   <p:notesSz cx="6858000" cy="9144000"/>
@@ -3128,116 +3127,6 @@
       </p:grpSpPr>
       <p:sp>
         <p:nvSpPr>
-          <p:cNvPr id="2" name="Title 1"/>
-          <p:cNvSpPr>
-            <a:spLocks noGrp="1"/>
-          </p:cNvSpPr>
-          <p:nvPr>
-            <p:ph type="title"/>
-          </p:nvPr>
-        </p:nvSpPr>
-        <p:spPr/>
-        <p:txBody>
-          <a:bodyPr/>
-          <a:lstStyle/>
-          <a:p>
-            <a:r>
-              <a:rPr lang="en-US" dirty="0"/>
-              <a:t>Combined Trails for all Students</a:t>
-            </a:r>
-          </a:p>
-        </p:txBody>
-      </p:sp>
-      <p:sp>
-        <p:nvSpPr>
-          <p:cNvPr id="3" name="Content Placeholder 2"/>
-          <p:cNvSpPr>
-            <a:spLocks noGrp="1"/>
-          </p:cNvSpPr>
-          <p:nvPr>
-            <p:ph idx="1"/>
-          </p:nvPr>
-        </p:nvSpPr>
-        <p:spPr/>
-        <p:txBody>
-          <a:bodyPr/>
-          <a:lstStyle/>
-          <a:p>
-            <a:r>
-              <a:rPr lang="en-US" dirty="0"/>
-              <a:t>One at a time each person will tell me total number passengers that made the trip.</a:t>
-            </a:r>
-          </a:p>
-          <a:p>
-            <a:endParaRPr lang="en-US" dirty="0"/>
-          </a:p>
-          <a:p>
-            <a:pPr marL="0" indent="0">
-              <a:buNone/>
-            </a:pPr>
-            <a:r>
-              <a:rPr lang="en-US" dirty="0"/>
-              <a:t>The values will be on the screen and calculated in Excel.  </a:t>
-            </a:r>
-          </a:p>
-          <a:p>
-            <a:pPr marL="0" indent="0">
-              <a:buNone/>
-            </a:pPr>
-            <a:endParaRPr lang="en-US" dirty="0"/>
-          </a:p>
-          <a:p>
-            <a:pPr marL="0" indent="0">
-              <a:buNone/>
-            </a:pPr>
-            <a:r>
-              <a:rPr lang="en-US" dirty="0"/>
-              <a:t>After all data is combined fill in table 5.7.</a:t>
-            </a:r>
-          </a:p>
-          <a:p>
-            <a:pPr marL="0" indent="0">
-              <a:buNone/>
-            </a:pPr>
-            <a:r>
-              <a:rPr lang="en-US" dirty="0"/>
-              <a:t>	The mean calculated will go in the middle column in table 5.8 	Question 2. </a:t>
-            </a:r>
-          </a:p>
-        </p:txBody>
-      </p:sp>
-    </p:spTree>
-    <p:extLst>
-      <p:ext uri="{BB962C8B-B14F-4D97-AF65-F5344CB8AC3E}">
-        <p14:creationId xmlns:p14="http://schemas.microsoft.com/office/powerpoint/2010/main" val="354996851"/>
-      </p:ext>
-    </p:extLst>
-  </p:cSld>
-  <p:clrMapOvr>
-    <a:masterClrMapping/>
-  </p:clrMapOvr>
-</p:sld>
-</file>
-
-<file path=ppt/slides/slide11.xml><?xml version="1.0" encoding="utf-8"?>
-<p:sld xmlns:a="http://schemas.openxmlformats.org/drawingml/2006/main" xmlns:r="http://schemas.openxmlformats.org/officeDocument/2006/relationships" xmlns:p="http://schemas.openxmlformats.org/presentationml/2006/main">
-  <p:cSld>
-    <p:spTree>
-      <p:nvGrpSpPr>
-        <p:cNvPr id="1" name=""/>
-        <p:cNvGrpSpPr/>
-        <p:nvPr/>
-      </p:nvGrpSpPr>
-      <p:grpSpPr>
-        <a:xfrm>
-          <a:off x="0" y="0"/>
-          <a:ext cx="0" cy="0"/>
-          <a:chOff x="0" y="0"/>
-          <a:chExt cx="0" cy="0"/>
-        </a:xfrm>
-      </p:grpSpPr>
-      <p:sp>
-        <p:nvSpPr>
           <p:cNvPr id="3" name="Content Placeholder 2"/>
           <p:cNvSpPr>
             <a:spLocks noGrp="1"/>
@@ -3376,8 +3265,8 @@
           </a:p>
         </p:txBody>
       </p:sp>
-      <mc:AlternateContent xmlns:mc="http://schemas.openxmlformats.org/markup-compatibility/2006">
-        <mc:Choice xmlns:a14="http://schemas.microsoft.com/office/drawing/2010/main" Requires="a14">
+      <mc:AlternateContent xmlns:mc="http://schemas.openxmlformats.org/markup-compatibility/2006" xmlns:a14="http://schemas.microsoft.com/office/drawing/2010/main">
+        <mc:Choice Requires="a14">
           <p:sp>
             <p:nvSpPr>
               <p:cNvPr id="3" name="Content Placeholder 2"/>
@@ -3545,7 +3434,7 @@
             </p:txBody>
           </p:sp>
         </mc:Choice>
-        <mc:Fallback>
+        <mc:Fallback xmlns="">
           <p:sp>
             <p:nvSpPr>
               <p:cNvPr id="3" name="Content Placeholder 2"/>
@@ -3806,7 +3695,7 @@
           <a:p>
             <a:r>
               <a:rPr lang="en-US" dirty="0"/>
-              <a:t>From the Customer’s Perspective</a:t>
+              <a:t>From the Insurance Company’s Perspective:</a:t>
             </a:r>
           </a:p>
         </p:txBody>
@@ -3821,32 +3710,60 @@
             <p:ph idx="1"/>
           </p:nvPr>
         </p:nvSpPr>
-        <p:spPr/>
-        <p:txBody>
-          <a:bodyPr/>
+        <p:spPr>
+          <a:xfrm>
+            <a:off x="378941" y="1392195"/>
+            <a:ext cx="10974859" cy="4784768"/>
+          </a:xfrm>
+        </p:spPr>
+        <p:txBody>
+          <a:bodyPr>
+            <a:normAutofit lnSpcReduction="10000"/>
+          </a:bodyPr>
           <a:lstStyle/>
           <a:p>
             <a:r>
               <a:rPr lang="en-US" dirty="0"/>
-              <a:t>The customer decides to purchase the $350 insurance.</a:t>
-            </a:r>
-          </a:p>
-          <a:p>
+              <a:t>The company estimates the following:</a:t>
+            </a:r>
+          </a:p>
+          <a:p>
+            <a:pPr lvl="1"/>
             <a:r>
               <a:rPr lang="en-US" dirty="0"/>
-              <a:t>They have had bad experiences before with flights and you are concerned something personally might come up and they will miss the cruise.  </a:t>
-            </a:r>
-          </a:p>
-          <a:p>
+              <a:t>5% of customers with the insurance will not be able to travel for personal reason.  </a:t>
+            </a:r>
+          </a:p>
+          <a:p>
+            <a:pPr lvl="1"/>
             <a:r>
               <a:rPr lang="en-US" dirty="0"/>
-              <a:t>Even though it seems costly they are going to pay the $350 in order to make sure they get their $3000 back in case they miss the flight (i.e. they are only out $350).  </a:t>
+              <a:t>4% of those that are able to personal travel will not make the cruise due to missing their flight.  </a:t>
             </a:r>
           </a:p>
           <a:p>
             <a:r>
               <a:rPr lang="en-US" dirty="0"/>
-              <a:t>If they didn’t get the insurance and they weren’t able to go on the trip they would be out $3000.  </a:t>
+              <a:t>If the customer that has paid for the insurance and is able to go on the cruise the company gains $350.  </a:t>
+            </a:r>
+          </a:p>
+          <a:p>
+            <a:r>
+              <a:rPr lang="en-US" dirty="0"/>
+              <a:t>If the customer that has paid for the insurance and is not able to go on the cruise the company loses $2650 ($3000 - $350).  </a:t>
+            </a:r>
+          </a:p>
+          <a:p>
+            <a:endParaRPr lang="en-US" dirty="0"/>
+          </a:p>
+          <a:p>
+            <a:r>
+              <a:rPr lang="en-US" dirty="0">
+                <a:solidFill>
+                  <a:srgbClr val="FF0000"/>
+                </a:solidFill>
+              </a:rPr>
+              <a:t>THE PURPOSE OF THIS LAB – the insurance company is reviewing the current cost of the package.  </a:t>
             </a:r>
           </a:p>
         </p:txBody>
@@ -3854,7 +3771,7 @@
     </p:spTree>
     <p:extLst>
       <p:ext uri="{BB962C8B-B14F-4D97-AF65-F5344CB8AC3E}">
-        <p14:creationId xmlns:p14="http://schemas.microsoft.com/office/powerpoint/2010/main" val="2464899569"/>
+        <p14:creationId xmlns:p14="http://schemas.microsoft.com/office/powerpoint/2010/main" val="4066121262"/>
       </p:ext>
     </p:extLst>
   </p:cSld>
@@ -3898,126 +3815,6 @@
           <a:p>
             <a:r>
               <a:rPr lang="en-US" dirty="0"/>
-              <a:t>From the Insurance Company’s Perspective:</a:t>
-            </a:r>
-          </a:p>
-        </p:txBody>
-      </p:sp>
-      <p:sp>
-        <p:nvSpPr>
-          <p:cNvPr id="3" name="Content Placeholder 2"/>
-          <p:cNvSpPr>
-            <a:spLocks noGrp="1"/>
-          </p:cNvSpPr>
-          <p:nvPr>
-            <p:ph idx="1"/>
-          </p:nvPr>
-        </p:nvSpPr>
-        <p:spPr>
-          <a:xfrm>
-            <a:off x="378941" y="1392195"/>
-            <a:ext cx="10974859" cy="4784768"/>
-          </a:xfrm>
-        </p:spPr>
-        <p:txBody>
-          <a:bodyPr>
-            <a:normAutofit lnSpcReduction="10000"/>
-          </a:bodyPr>
-          <a:lstStyle/>
-          <a:p>
-            <a:r>
-              <a:rPr lang="en-US" dirty="0"/>
-              <a:t>The company estimates the following:</a:t>
-            </a:r>
-          </a:p>
-          <a:p>
-            <a:pPr lvl="1"/>
-            <a:r>
-              <a:rPr lang="en-US" dirty="0"/>
-              <a:t>5% of customers with the insurance will not be able to travel for personal reason.  </a:t>
-            </a:r>
-          </a:p>
-          <a:p>
-            <a:pPr lvl="1"/>
-            <a:r>
-              <a:rPr lang="en-US" dirty="0"/>
-              <a:t>4% of those that are able to personal travel will not make the cruise due to missing their flight.  </a:t>
-            </a:r>
-          </a:p>
-          <a:p>
-            <a:r>
-              <a:rPr lang="en-US" dirty="0"/>
-              <a:t>If the customer that has paid for the insurance and is able to go on the cruise the company gains $350.  </a:t>
-            </a:r>
-          </a:p>
-          <a:p>
-            <a:r>
-              <a:rPr lang="en-US" dirty="0"/>
-              <a:t>If the customer that has paid for the insurance and is not able to go on the cruise the company loses $2650 ($3000 - $350).  </a:t>
-            </a:r>
-          </a:p>
-          <a:p>
-            <a:endParaRPr lang="en-US" dirty="0"/>
-          </a:p>
-          <a:p>
-            <a:r>
-              <a:rPr lang="en-US" dirty="0">
-                <a:solidFill>
-                  <a:srgbClr val="FF0000"/>
-                </a:solidFill>
-              </a:rPr>
-              <a:t>THE PURPOSE OF THIS LAB – the insurance company is reviewing the current cost of the package.  </a:t>
-            </a:r>
-          </a:p>
-        </p:txBody>
-      </p:sp>
-    </p:spTree>
-    <p:extLst>
-      <p:ext uri="{BB962C8B-B14F-4D97-AF65-F5344CB8AC3E}">
-        <p14:creationId xmlns:p14="http://schemas.microsoft.com/office/powerpoint/2010/main" val="4066121262"/>
-      </p:ext>
-    </p:extLst>
-  </p:cSld>
-  <p:clrMapOvr>
-    <a:masterClrMapping/>
-  </p:clrMapOvr>
-</p:sld>
-</file>
-
-<file path=ppt/slides/slide6.xml><?xml version="1.0" encoding="utf-8"?>
-<p:sld xmlns:a="http://schemas.openxmlformats.org/drawingml/2006/main" xmlns:r="http://schemas.openxmlformats.org/officeDocument/2006/relationships" xmlns:p="http://schemas.openxmlformats.org/presentationml/2006/main">
-  <p:cSld>
-    <p:spTree>
-      <p:nvGrpSpPr>
-        <p:cNvPr id="1" name=""/>
-        <p:cNvGrpSpPr/>
-        <p:nvPr/>
-      </p:nvGrpSpPr>
-      <p:grpSpPr>
-        <a:xfrm>
-          <a:off x="0" y="0"/>
-          <a:ext cx="0" cy="0"/>
-          <a:chOff x="0" y="0"/>
-          <a:chExt cx="0" cy="0"/>
-        </a:xfrm>
-      </p:grpSpPr>
-      <p:sp>
-        <p:nvSpPr>
-          <p:cNvPr id="2" name="Title 1"/>
-          <p:cNvSpPr>
-            <a:spLocks noGrp="1"/>
-          </p:cNvSpPr>
-          <p:nvPr>
-            <p:ph type="title"/>
-          </p:nvPr>
-        </p:nvSpPr>
-        <p:spPr/>
-        <p:txBody>
-          <a:bodyPr/>
-          <a:lstStyle/>
-          <a:p>
-            <a:r>
-              <a:rPr lang="en-US" dirty="0"/>
               <a:t>Materials Needed for this Lab </a:t>
             </a:r>
           </a:p>
@@ -4072,7 +3869,7 @@
 </p:sld>
 </file>
 
-<file path=ppt/slides/slide7.xml><?xml version="1.0" encoding="utf-8"?>
+<file path=ppt/slides/slide6.xml><?xml version="1.0" encoding="utf-8"?>
 <p:sld xmlns:a="http://schemas.openxmlformats.org/drawingml/2006/main" xmlns:r="http://schemas.openxmlformats.org/officeDocument/2006/relationships" xmlns:p="http://schemas.openxmlformats.org/presentationml/2006/main">
   <p:cSld>
     <p:spTree>
@@ -6081,7 +5878,7 @@
 </p:sld>
 </file>
 
-<file path=ppt/slides/slide8.xml><?xml version="1.0" encoding="utf-8"?>
+<file path=ppt/slides/slide7.xml><?xml version="1.0" encoding="utf-8"?>
 <p:sld xmlns:a="http://schemas.openxmlformats.org/drawingml/2006/main" xmlns:r="http://schemas.openxmlformats.org/officeDocument/2006/relationships" xmlns:p="http://schemas.openxmlformats.org/presentationml/2006/main">
   <p:cSld>
     <p:spTree>
@@ -6309,6 +6106,223 @@
 </p:sld>
 </file>
 
+<file path=ppt/slides/slide8.xml><?xml version="1.0" encoding="utf-8"?>
+<p:sld xmlns:a="http://schemas.openxmlformats.org/drawingml/2006/main" xmlns:r="http://schemas.openxmlformats.org/officeDocument/2006/relationships" xmlns:p="http://schemas.openxmlformats.org/presentationml/2006/main">
+  <p:cSld>
+    <p:spTree>
+      <p:nvGrpSpPr>
+        <p:cNvPr id="1" name=""/>
+        <p:cNvGrpSpPr/>
+        <p:nvPr/>
+      </p:nvGrpSpPr>
+      <p:grpSpPr>
+        <a:xfrm>
+          <a:off x="0" y="0"/>
+          <a:ext cx="0" cy="0"/>
+          <a:chOff x="0" y="0"/>
+          <a:chExt cx="0" cy="0"/>
+        </a:xfrm>
+      </p:grpSpPr>
+      <p:sp>
+        <p:nvSpPr>
+          <p:cNvPr id="2" name="Title 1"/>
+          <p:cNvSpPr>
+            <a:spLocks noGrp="1"/>
+          </p:cNvSpPr>
+          <p:nvPr>
+            <p:ph type="title"/>
+          </p:nvPr>
+        </p:nvSpPr>
+        <p:spPr>
+          <a:xfrm>
+            <a:off x="294503" y="200369"/>
+            <a:ext cx="10200502" cy="310378"/>
+          </a:xfrm>
+        </p:spPr>
+        <p:txBody>
+          <a:bodyPr>
+            <a:normAutofit fontScale="90000"/>
+          </a:bodyPr>
+          <a:lstStyle/>
+          <a:p>
+            <a:r>
+              <a:rPr lang="en-US" dirty="0"/>
+              <a:t>Simulations of the Cruise Scenario</a:t>
+            </a:r>
+          </a:p>
+        </p:txBody>
+      </p:sp>
+      <p:sp>
+        <p:nvSpPr>
+          <p:cNvPr id="3" name="Content Placeholder 2"/>
+          <p:cNvSpPr>
+            <a:spLocks noGrp="1"/>
+          </p:cNvSpPr>
+          <p:nvPr>
+            <p:ph idx="1"/>
+          </p:nvPr>
+        </p:nvSpPr>
+        <p:spPr>
+          <a:xfrm>
+            <a:off x="222422" y="584886"/>
+            <a:ext cx="11574161" cy="6021860"/>
+          </a:xfrm>
+        </p:spPr>
+        <p:txBody>
+          <a:bodyPr>
+            <a:normAutofit fontScale="85000" lnSpcReduction="20000"/>
+          </a:bodyPr>
+          <a:lstStyle/>
+          <a:p>
+            <a:r>
+              <a:rPr lang="en-US" dirty="0"/>
+              <a:t>Working in groups of 2.</a:t>
+            </a:r>
+          </a:p>
+          <a:p>
+            <a:r>
+              <a:rPr lang="en-US" dirty="0"/>
+              <a:t>There are two buckets on your table:</a:t>
+            </a:r>
+          </a:p>
+          <a:p>
+            <a:pPr lvl="1"/>
+            <a:r>
+              <a:rPr lang="en-US" dirty="0"/>
+              <a:t>Bucket 1: Travel</a:t>
+            </a:r>
+          </a:p>
+          <a:p>
+            <a:pPr lvl="2"/>
+            <a:r>
+              <a:rPr lang="en-US" dirty="0"/>
+              <a:t>19 Can Travel Beads and 1 Can’t Travel Beads.   </a:t>
+            </a:r>
+          </a:p>
+          <a:p>
+            <a:pPr lvl="2"/>
+            <a:r>
+              <a:rPr lang="en-US" dirty="0"/>
+              <a:t>Gently shake the bucket to mix the beads and without looking draw one bead at random.  </a:t>
+            </a:r>
+          </a:p>
+          <a:p>
+            <a:pPr lvl="3"/>
+            <a:r>
+              <a:rPr lang="en-US" dirty="0"/>
+              <a:t>If can travel bead then draw from the flight bucket.  </a:t>
+            </a:r>
+          </a:p>
+          <a:p>
+            <a:pPr lvl="3"/>
+            <a:r>
+              <a:rPr lang="en-US" dirty="0"/>
+              <a:t>If can’t travel bead then you can’t travel for personal reasons.  </a:t>
+            </a:r>
+          </a:p>
+          <a:p>
+            <a:pPr lvl="1"/>
+            <a:r>
+              <a:rPr lang="en-US" dirty="0"/>
+              <a:t>Bucket 2: Flight</a:t>
+            </a:r>
+          </a:p>
+          <a:p>
+            <a:pPr lvl="2"/>
+            <a:r>
+              <a:rPr lang="en-US" dirty="0"/>
+              <a:t>24 On Time Beads.</a:t>
+            </a:r>
+          </a:p>
+          <a:p>
+            <a:pPr lvl="2"/>
+            <a:r>
+              <a:rPr lang="en-US" dirty="0"/>
+              <a:t>1 Cancelled/Delayed Bead.</a:t>
+            </a:r>
+          </a:p>
+          <a:p>
+            <a:pPr lvl="2"/>
+            <a:r>
+              <a:rPr lang="en-US" dirty="0"/>
+              <a:t>IF YOU ARE ABLE TO TRAVEL FOR PERSONAL REASONS then gently shake the bucket and without looking draw a bead at random.</a:t>
+            </a:r>
+          </a:p>
+          <a:p>
+            <a:pPr lvl="3"/>
+            <a:r>
+              <a:rPr lang="en-US" dirty="0"/>
+              <a:t>If on time bead then you are able to make the cruise.</a:t>
+            </a:r>
+          </a:p>
+          <a:p>
+            <a:pPr lvl="3"/>
+            <a:r>
+              <a:rPr lang="en-US" dirty="0"/>
+              <a:t>If cancelled/delayed bead then you are not able to make the cruise.  </a:t>
+            </a:r>
+          </a:p>
+          <a:p>
+            <a:r>
+              <a:rPr lang="en-US" dirty="0"/>
+              <a:t>One person draws and their partner records the results for them.</a:t>
+            </a:r>
+          </a:p>
+          <a:p>
+            <a:r>
+              <a:rPr lang="en-US" dirty="0"/>
+              <a:t>Each person will draw 25 times and record results in Table 5.4:</a:t>
+            </a:r>
+          </a:p>
+          <a:p>
+            <a:pPr lvl="1"/>
+            <a:r>
+              <a:rPr lang="en-US" dirty="0"/>
+              <a:t>Note value in the column Insurance Company profit will be either:</a:t>
+            </a:r>
+          </a:p>
+          <a:p>
+            <a:pPr lvl="2"/>
+            <a:r>
+              <a:rPr lang="en-US" dirty="0"/>
+              <a:t>$350 – if you make the cruise.</a:t>
+            </a:r>
+          </a:p>
+          <a:p>
+            <a:pPr lvl="2"/>
+            <a:r>
+              <a:rPr lang="en-US" dirty="0"/>
+              <a:t>-$2650 if you can’t make the cruise.  (regardless of reason).  </a:t>
+            </a:r>
+          </a:p>
+          <a:p>
+            <a:r>
+              <a:rPr lang="en-US" dirty="0"/>
+              <a:t>After both lab partners have data each needs to calculate the data in table 5.5. </a:t>
+            </a:r>
+          </a:p>
+          <a:p>
+            <a:pPr lvl="1"/>
+            <a:r>
+              <a:rPr lang="en-US" dirty="0"/>
+              <a:t>The mean calculated will go in the first column of table 5.8 Question 2.  </a:t>
+            </a:r>
+          </a:p>
+        </p:txBody>
+      </p:sp>
+    </p:spTree>
+    <p:extLst>
+      <p:ext uri="{BB962C8B-B14F-4D97-AF65-F5344CB8AC3E}">
+        <p14:creationId xmlns:p14="http://schemas.microsoft.com/office/powerpoint/2010/main" val="923966224"/>
+      </p:ext>
+    </p:extLst>
+  </p:cSld>
+  <p:clrMapOvr>
+    <a:masterClrMapping/>
+  </p:clrMapOvr>
+</p:sld>
+</file>
+
 <file path=ppt/slides/slide9.xml><?xml version="1.0" encoding="utf-8"?>
 <p:sld xmlns:a="http://schemas.openxmlformats.org/drawingml/2006/main" xmlns:r="http://schemas.openxmlformats.org/officeDocument/2006/relationships" xmlns:p="http://schemas.openxmlformats.org/presentationml/2006/main">
   <p:cSld>
@@ -6336,21 +6350,14 @@
             <p:ph type="title"/>
           </p:nvPr>
         </p:nvSpPr>
-        <p:spPr>
-          <a:xfrm>
-            <a:off x="294503" y="200369"/>
-            <a:ext cx="10200502" cy="310378"/>
-          </a:xfrm>
-        </p:spPr>
-        <p:txBody>
-          <a:bodyPr>
-            <a:normAutofit fontScale="90000"/>
-          </a:bodyPr>
+        <p:spPr/>
+        <p:txBody>
+          <a:bodyPr/>
           <a:lstStyle/>
           <a:p>
             <a:r>
               <a:rPr lang="en-US" dirty="0"/>
-              <a:t>Simulations of the Cruise Scenario</a:t>
+              <a:t>Combined Trails for all Students</a:t>
             </a:r>
           </a:p>
         </p:txBody>
@@ -6365,150 +6372,50 @@
             <p:ph idx="1"/>
           </p:nvPr>
         </p:nvSpPr>
-        <p:spPr>
-          <a:xfrm>
-            <a:off x="222422" y="584886"/>
-            <a:ext cx="11574161" cy="6021860"/>
-          </a:xfrm>
-        </p:spPr>
-        <p:txBody>
-          <a:bodyPr>
-            <a:normAutofit fontScale="85000" lnSpcReduction="20000"/>
-          </a:bodyPr>
+        <p:spPr/>
+        <p:txBody>
+          <a:bodyPr/>
           <a:lstStyle/>
           <a:p>
             <a:r>
               <a:rPr lang="en-US" dirty="0"/>
-              <a:t>Working in groups of 2.</a:t>
-            </a:r>
-          </a:p>
-          <a:p>
+              <a:t>One at a time each person will tell me total number passengers that made the trip.</a:t>
+            </a:r>
+          </a:p>
+          <a:p>
+            <a:endParaRPr lang="en-US" dirty="0"/>
+          </a:p>
+          <a:p>
+            <a:pPr marL="0" indent="0">
+              <a:buNone/>
+            </a:pPr>
             <a:r>
               <a:rPr lang="en-US" dirty="0"/>
-              <a:t>There are two buckets on your table:</a:t>
-            </a:r>
-          </a:p>
-          <a:p>
-            <a:pPr lvl="1"/>
+              <a:t>The values will be on the screen and calculated in Excel.  </a:t>
+            </a:r>
+          </a:p>
+          <a:p>
+            <a:pPr marL="0" indent="0">
+              <a:buNone/>
+            </a:pPr>
+            <a:endParaRPr lang="en-US" dirty="0"/>
+          </a:p>
+          <a:p>
+            <a:pPr marL="0" indent="0">
+              <a:buNone/>
+            </a:pPr>
             <a:r>
               <a:rPr lang="en-US" dirty="0"/>
-              <a:t>Bucket 1: Travel</a:t>
-            </a:r>
-          </a:p>
-          <a:p>
-            <a:pPr lvl="2"/>
+              <a:t>After all data is combined fill in table 5.7.</a:t>
+            </a:r>
+          </a:p>
+          <a:p>
+            <a:pPr marL="0" indent="0">
+              <a:buNone/>
+            </a:pPr>
             <a:r>
               <a:rPr lang="en-US" dirty="0"/>
-              <a:t>19 Can Travel Beads and 1 Can’t Travel Beads.   </a:t>
-            </a:r>
-          </a:p>
-          <a:p>
-            <a:pPr lvl="2"/>
-            <a:r>
-              <a:rPr lang="en-US" dirty="0"/>
-              <a:t>Gently shake the bucket to mix the beads and without looking draw one bead at random.  </a:t>
-            </a:r>
-          </a:p>
-          <a:p>
-            <a:pPr lvl="3"/>
-            <a:r>
-              <a:rPr lang="en-US" dirty="0"/>
-              <a:t>If can travel bead then draw from the flight bucket.  </a:t>
-            </a:r>
-          </a:p>
-          <a:p>
-            <a:pPr lvl="3"/>
-            <a:r>
-              <a:rPr lang="en-US" dirty="0"/>
-              <a:t>If can’t travel bead then you can’t travel for personal reasons.  </a:t>
-            </a:r>
-          </a:p>
-          <a:p>
-            <a:pPr lvl="1"/>
-            <a:r>
-              <a:rPr lang="en-US" dirty="0"/>
-              <a:t>Bucket 2: Flight</a:t>
-            </a:r>
-          </a:p>
-          <a:p>
-            <a:pPr lvl="2"/>
-            <a:r>
-              <a:rPr lang="en-US" dirty="0"/>
-              <a:t>24 On Time Beads.</a:t>
-            </a:r>
-          </a:p>
-          <a:p>
-            <a:pPr lvl="2"/>
-            <a:r>
-              <a:rPr lang="en-US" dirty="0"/>
-              <a:t>1 Cancelled/Delayed Bead.</a:t>
-            </a:r>
-          </a:p>
-          <a:p>
-            <a:pPr lvl="2"/>
-            <a:r>
-              <a:rPr lang="en-US" dirty="0"/>
-              <a:t>IF YOU ARE ABLE TO TRAVEL FOR PERSONAL REASONS then gently shake the bucket and without looking draw a bead at random.</a:t>
-            </a:r>
-          </a:p>
-          <a:p>
-            <a:pPr lvl="3"/>
-            <a:r>
-              <a:rPr lang="en-US" dirty="0"/>
-              <a:t>If on time bead then you are able to make the cruise.</a:t>
-            </a:r>
-          </a:p>
-          <a:p>
-            <a:pPr lvl="3"/>
-            <a:r>
-              <a:rPr lang="en-US" dirty="0"/>
-              <a:t>If cancelled/delayed bead then you are not able to make the cruise.  </a:t>
-            </a:r>
-          </a:p>
-          <a:p>
-            <a:r>
-              <a:rPr lang="en-US" dirty="0"/>
-              <a:t>One person draws and their partner records the results for them.</a:t>
-            </a:r>
-          </a:p>
-          <a:p>
-            <a:r>
-              <a:rPr lang="en-US" dirty="0"/>
-              <a:t>Each person will draw 25 times and record results in Table 5.4:</a:t>
-            </a:r>
-          </a:p>
-          <a:p>
-            <a:pPr lvl="1"/>
-            <a:r>
-              <a:rPr lang="en-US" dirty="0"/>
-              <a:t>Note value in the column Insurance Company profit will be either:</a:t>
-            </a:r>
-          </a:p>
-          <a:p>
-            <a:pPr lvl="2"/>
-            <a:r>
-              <a:rPr lang="en-US" dirty="0"/>
-              <a:t>$350 – if you make the cruise.</a:t>
-            </a:r>
-          </a:p>
-          <a:p>
-            <a:pPr lvl="2"/>
-            <a:r>
-              <a:rPr lang="en-US" dirty="0"/>
-              <a:t>-$2650 if you can’t make the cruise.  (regardless of reason).  </a:t>
-            </a:r>
-          </a:p>
-          <a:p>
-            <a:r>
-              <a:rPr lang="en-US" dirty="0"/>
-              <a:t>After both lab partners have data each needs to calculate the data in table 5.5. </a:t>
-            </a:r>
-          </a:p>
-          <a:p>
-            <a:pPr lvl="1"/>
-            <a:r>
-              <a:rPr lang="en-US" dirty="0"/>
-              <a:t>The mean calculated will go in the first column of table 5.8 Question 2.  </a:t>
+              <a:t>	The mean calculated will go in the middle column in table 5.8 	Question 2. </a:t>
             </a:r>
           </a:p>
         </p:txBody>
@@ -6516,7 +6423,7 @@
     </p:spTree>
     <p:extLst>
       <p:ext uri="{BB962C8B-B14F-4D97-AF65-F5344CB8AC3E}">
-        <p14:creationId xmlns:p14="http://schemas.microsoft.com/office/powerpoint/2010/main" val="923966224"/>
+        <p14:creationId xmlns:p14="http://schemas.microsoft.com/office/powerpoint/2010/main" val="354996851"/>
       </p:ext>
     </p:extLst>
   </p:cSld>
@@ -6534,7 +6441,7 @@
         <a:sysClr val="windowText" lastClr="000000"/>
       </a:dk1>
       <a:lt1>
-        <a:sysClr val="window" lastClr="CCE8CF"/>
+        <a:sysClr val="window" lastClr="FFFFFF"/>
       </a:lt1>
       <a:dk2>
         <a:srgbClr val="44546A"/>

--- a/Lab5/Lab 5.pptx
+++ b/Lab5/Lab 5.pptx
@@ -261,7 +261,7 @@
           <a:p>
             <a:fld id="{3E2592C1-88CA-4FDB-BD4B-CC61035A6D24}" type="datetimeFigureOut">
               <a:rPr lang="en-US" smtClean="0"/>
-              <a:t>10/1/2019</a:t>
+              <a:t>10/7/2019</a:t>
             </a:fld>
             <a:endParaRPr lang="en-US"/>
           </a:p>
@@ -429,7 +429,7 @@
           <a:p>
             <a:fld id="{3E2592C1-88CA-4FDB-BD4B-CC61035A6D24}" type="datetimeFigureOut">
               <a:rPr lang="en-US" smtClean="0"/>
-              <a:t>10/1/2019</a:t>
+              <a:t>10/7/2019</a:t>
             </a:fld>
             <a:endParaRPr lang="en-US"/>
           </a:p>
@@ -607,7 +607,7 @@
           <a:p>
             <a:fld id="{3E2592C1-88CA-4FDB-BD4B-CC61035A6D24}" type="datetimeFigureOut">
               <a:rPr lang="en-US" smtClean="0"/>
-              <a:t>10/1/2019</a:t>
+              <a:t>10/7/2019</a:t>
             </a:fld>
             <a:endParaRPr lang="en-US"/>
           </a:p>
@@ -775,7 +775,7 @@
           <a:p>
             <a:fld id="{3E2592C1-88CA-4FDB-BD4B-CC61035A6D24}" type="datetimeFigureOut">
               <a:rPr lang="en-US" smtClean="0"/>
-              <a:t>10/1/2019</a:t>
+              <a:t>10/7/2019</a:t>
             </a:fld>
             <a:endParaRPr lang="en-US"/>
           </a:p>
@@ -1020,7 +1020,7 @@
           <a:p>
             <a:fld id="{3E2592C1-88CA-4FDB-BD4B-CC61035A6D24}" type="datetimeFigureOut">
               <a:rPr lang="en-US" smtClean="0"/>
-              <a:t>10/1/2019</a:t>
+              <a:t>10/7/2019</a:t>
             </a:fld>
             <a:endParaRPr lang="en-US"/>
           </a:p>
@@ -1249,7 +1249,7 @@
           <a:p>
             <a:fld id="{3E2592C1-88CA-4FDB-BD4B-CC61035A6D24}" type="datetimeFigureOut">
               <a:rPr lang="en-US" smtClean="0"/>
-              <a:t>10/1/2019</a:t>
+              <a:t>10/7/2019</a:t>
             </a:fld>
             <a:endParaRPr lang="en-US"/>
           </a:p>
@@ -1613,7 +1613,7 @@
           <a:p>
             <a:fld id="{3E2592C1-88CA-4FDB-BD4B-CC61035A6D24}" type="datetimeFigureOut">
               <a:rPr lang="en-US" smtClean="0"/>
-              <a:t>10/1/2019</a:t>
+              <a:t>10/7/2019</a:t>
             </a:fld>
             <a:endParaRPr lang="en-US"/>
           </a:p>
@@ -1730,7 +1730,7 @@
           <a:p>
             <a:fld id="{3E2592C1-88CA-4FDB-BD4B-CC61035A6D24}" type="datetimeFigureOut">
               <a:rPr lang="en-US" smtClean="0"/>
-              <a:t>10/1/2019</a:t>
+              <a:t>10/7/2019</a:t>
             </a:fld>
             <a:endParaRPr lang="en-US"/>
           </a:p>
@@ -1825,7 +1825,7 @@
           <a:p>
             <a:fld id="{3E2592C1-88CA-4FDB-BD4B-CC61035A6D24}" type="datetimeFigureOut">
               <a:rPr lang="en-US" smtClean="0"/>
-              <a:t>10/1/2019</a:t>
+              <a:t>10/7/2019</a:t>
             </a:fld>
             <a:endParaRPr lang="en-US"/>
           </a:p>
@@ -2100,7 +2100,7 @@
           <a:p>
             <a:fld id="{3E2592C1-88CA-4FDB-BD4B-CC61035A6D24}" type="datetimeFigureOut">
               <a:rPr lang="en-US" smtClean="0"/>
-              <a:t>10/1/2019</a:t>
+              <a:t>10/7/2019</a:t>
             </a:fld>
             <a:endParaRPr lang="en-US"/>
           </a:p>
@@ -2352,7 +2352,7 @@
           <a:p>
             <a:fld id="{3E2592C1-88CA-4FDB-BD4B-CC61035A6D24}" type="datetimeFigureOut">
               <a:rPr lang="en-US" smtClean="0"/>
-              <a:t>10/1/2019</a:t>
+              <a:t>10/7/2019</a:t>
             </a:fld>
             <a:endParaRPr lang="en-US"/>
           </a:p>
@@ -2563,7 +2563,7 @@
           <a:p>
             <a:fld id="{3E2592C1-88CA-4FDB-BD4B-CC61035A6D24}" type="datetimeFigureOut">
               <a:rPr lang="en-US" smtClean="0"/>
-              <a:t>10/1/2019</a:t>
+              <a:t>10/7/2019</a:t>
             </a:fld>
             <a:endParaRPr lang="en-US"/>
           </a:p>
@@ -3168,20 +3168,8 @@
             <a:pPr lvl="1"/>
             <a:r>
               <a:rPr lang="en-US" dirty="0"/>
-              <a:t>Questions 1 and 2 should be complete. </a:t>
-            </a:r>
-          </a:p>
-          <a:p>
-            <a:pPr lvl="1"/>
-            <a:r>
-              <a:rPr lang="en-US" dirty="0"/>
-              <a:t>Question 5 – read the </a:t>
-            </a:r>
-            <a:r>
-              <a:rPr lang="en-US"/>
-              <a:t>reality check on page 35.</a:t>
-            </a:r>
-            <a:endParaRPr lang="en-US" dirty="0"/>
+              <a:t>Question 5 – read the reality check on page 35.</a:t>
+            </a:r>
           </a:p>
           <a:p>
             <a:pPr marL="457200" lvl="1" indent="0">
@@ -6441,7 +6429,7 @@
         <a:sysClr val="windowText" lastClr="000000"/>
       </a:dk1>
       <a:lt1>
-        <a:sysClr val="window" lastClr="FFFFFF"/>
+        <a:sysClr val="window" lastClr="CCE8CF"/>
       </a:lt1>
       <a:dk2>
         <a:srgbClr val="44546A"/>
